--- a/doc/neural_network_for_multilayers02.pptx
+++ b/doc/neural_network_for_multilayers02.pptx
@@ -106,7 +106,7 @@
   </p:defaultTextStyle>
   <p:extLst>
     <p:ext uri="{EFAFB233-063F-42B5-8137-9DF3F51BA10A}">
-      <p15:sldGuideLst xmlns:p15="http://schemas.microsoft.com/office/powerpoint/2012/main">
+      <p15:sldGuideLst xmlns:p15="http://schemas.microsoft.com/office/powerpoint/2012/main" xmlns="">
         <p15:guide id="1" orient="horz" pos="2160">
           <p15:clr>
             <a:srgbClr val="A4A3A4"/>
@@ -302,7 +302,7 @@
           <a:p>
             <a:fld id="{FB30EDBD-1C2D-4C1E-B459-B60219FAB484}" type="datetimeFigureOut">
               <a:rPr lang="ko-KR" altLang="en-US" smtClean="0"/>
-              <a:t>2019. 11. 18.</a:t>
+              <a:t>2019-12-01</a:t>
             </a:fld>
             <a:endParaRPr lang="ko-KR" altLang="en-US" dirty="0"/>
           </a:p>
@@ -465,7 +465,7 @@
           <a:p>
             <a:fld id="{FB30EDBD-1C2D-4C1E-B459-B60219FAB484}" type="datetimeFigureOut">
               <a:rPr lang="ko-KR" altLang="en-US" smtClean="0"/>
-              <a:t>2019. 11. 18.</a:t>
+              <a:t>2019-12-01</a:t>
             </a:fld>
             <a:endParaRPr lang="ko-KR" altLang="en-US" dirty="0"/>
           </a:p>
@@ -638,7 +638,7 @@
           <a:p>
             <a:fld id="{FB30EDBD-1C2D-4C1E-B459-B60219FAB484}" type="datetimeFigureOut">
               <a:rPr lang="ko-KR" altLang="en-US" smtClean="0"/>
-              <a:t>2019. 11. 18.</a:t>
+              <a:t>2019-12-01</a:t>
             </a:fld>
             <a:endParaRPr lang="ko-KR" altLang="en-US" dirty="0"/>
           </a:p>
@@ -801,7 +801,7 @@
           <a:p>
             <a:fld id="{FB30EDBD-1C2D-4C1E-B459-B60219FAB484}" type="datetimeFigureOut">
               <a:rPr lang="ko-KR" altLang="en-US" smtClean="0"/>
-              <a:t>2019. 11. 18.</a:t>
+              <a:t>2019-12-01</a:t>
             </a:fld>
             <a:endParaRPr lang="ko-KR" altLang="en-US" dirty="0"/>
           </a:p>
@@ -1041,7 +1041,7 @@
           <a:p>
             <a:fld id="{FB30EDBD-1C2D-4C1E-B459-B60219FAB484}" type="datetimeFigureOut">
               <a:rPr lang="ko-KR" altLang="en-US" smtClean="0"/>
-              <a:t>2019. 11. 18.</a:t>
+              <a:t>2019-12-01</a:t>
             </a:fld>
             <a:endParaRPr lang="ko-KR" altLang="en-US" dirty="0"/>
           </a:p>
@@ -1321,7 +1321,7 @@
           <a:p>
             <a:fld id="{FB30EDBD-1C2D-4C1E-B459-B60219FAB484}" type="datetimeFigureOut">
               <a:rPr lang="ko-KR" altLang="en-US" smtClean="0"/>
-              <a:t>2019. 11. 18.</a:t>
+              <a:t>2019-12-01</a:t>
             </a:fld>
             <a:endParaRPr lang="ko-KR" altLang="en-US" dirty="0"/>
           </a:p>
@@ -1735,7 +1735,7 @@
           <a:p>
             <a:fld id="{FB30EDBD-1C2D-4C1E-B459-B60219FAB484}" type="datetimeFigureOut">
               <a:rPr lang="ko-KR" altLang="en-US" smtClean="0"/>
-              <a:t>2019. 11. 18.</a:t>
+              <a:t>2019-12-01</a:t>
             </a:fld>
             <a:endParaRPr lang="ko-KR" altLang="en-US" dirty="0"/>
           </a:p>
@@ -1847,7 +1847,7 @@
           <a:p>
             <a:fld id="{FB30EDBD-1C2D-4C1E-B459-B60219FAB484}" type="datetimeFigureOut">
               <a:rPr lang="ko-KR" altLang="en-US" smtClean="0"/>
-              <a:t>2019. 11. 18.</a:t>
+              <a:t>2019-12-01</a:t>
             </a:fld>
             <a:endParaRPr lang="ko-KR" altLang="en-US" dirty="0"/>
           </a:p>
@@ -1937,7 +1937,7 @@
           <a:p>
             <a:fld id="{FB30EDBD-1C2D-4C1E-B459-B60219FAB484}" type="datetimeFigureOut">
               <a:rPr lang="ko-KR" altLang="en-US" smtClean="0"/>
-              <a:t>2019. 11. 18.</a:t>
+              <a:t>2019-12-01</a:t>
             </a:fld>
             <a:endParaRPr lang="ko-KR" altLang="en-US" dirty="0"/>
           </a:p>
@@ -2207,7 +2207,7 @@
           <a:p>
             <a:fld id="{FB30EDBD-1C2D-4C1E-B459-B60219FAB484}" type="datetimeFigureOut">
               <a:rPr lang="ko-KR" altLang="en-US" smtClean="0"/>
-              <a:t>2019. 11. 18.</a:t>
+              <a:t>2019-12-01</a:t>
             </a:fld>
             <a:endParaRPr lang="ko-KR" altLang="en-US" dirty="0"/>
           </a:p>
@@ -2454,7 +2454,7 @@
           <a:p>
             <a:fld id="{FB30EDBD-1C2D-4C1E-B459-B60219FAB484}" type="datetimeFigureOut">
               <a:rPr lang="ko-KR" altLang="en-US" smtClean="0"/>
-              <a:t>2019. 11. 18.</a:t>
+              <a:t>2019-12-01</a:t>
             </a:fld>
             <a:endParaRPr lang="ko-KR" altLang="en-US" dirty="0"/>
           </a:p>
@@ -2660,7 +2660,7 @@
           <a:p>
             <a:fld id="{FB30EDBD-1C2D-4C1E-B459-B60219FAB484}" type="datetimeFigureOut">
               <a:rPr lang="ko-KR" altLang="en-US" smtClean="0"/>
-              <a:t>2019. 11. 18.</a:t>
+              <a:t>2019-12-01</a:t>
             </a:fld>
             <a:endParaRPr lang="ko-KR" altLang="en-US" dirty="0"/>
           </a:p>
@@ -3813,7 +3813,7 @@
                         <m:sSubSupPr>
                           <m:ctrlPr>
                             <a:rPr lang="ko-KR" altLang="ko-KR" sz="900" i="1" smtClean="0">
-                              <a:latin typeface="Cambria Math" panose="02040503050406030204" pitchFamily="18" charset="0"/>
+                              <a:latin typeface="Cambria Math"/>
                             </a:rPr>
                           </m:ctrlPr>
                         </m:sSubSupPr>
@@ -4617,7 +4617,7 @@
         </p:nvSpPr>
         <p:spPr>
           <a:xfrm>
-            <a:off x="6123720" y="3911347"/>
+            <a:off x="6123720" y="3929403"/>
             <a:ext cx="216024" cy="216024"/>
           </a:xfrm>
           <a:prstGeom prst="ellipse">
@@ -4697,7 +4697,7 @@
         </p:nvSpPr>
         <p:spPr>
           <a:xfrm>
-            <a:off x="6029593" y="2404751"/>
+            <a:off x="6084168" y="2356051"/>
             <a:ext cx="295274" cy="230832"/>
           </a:xfrm>
           <a:prstGeom prst="rect">
@@ -4765,7 +4765,7 @@
         </p:nvSpPr>
         <p:spPr>
           <a:xfrm>
-            <a:off x="6093960" y="3355080"/>
+            <a:off x="6093960" y="3488063"/>
             <a:ext cx="221536" cy="369332"/>
           </a:xfrm>
           <a:prstGeom prst="rect">
@@ -4892,7 +4892,7 @@
         </p:nvSpPr>
         <p:spPr>
           <a:xfrm>
-            <a:off x="6843800" y="3904176"/>
+            <a:off x="6843800" y="3922232"/>
             <a:ext cx="216024" cy="216024"/>
           </a:xfrm>
           <a:prstGeom prst="ellipse">
@@ -4972,7 +4972,7 @@
         </p:nvSpPr>
         <p:spPr>
           <a:xfrm>
-            <a:off x="6749673" y="2397580"/>
+            <a:off x="6804248" y="2348880"/>
             <a:ext cx="282450" cy="230832"/>
           </a:xfrm>
           <a:prstGeom prst="rect">
@@ -5040,7 +5040,7 @@
         </p:nvSpPr>
         <p:spPr>
           <a:xfrm>
-            <a:off x="6814040" y="3347909"/>
+            <a:off x="6814040" y="3480892"/>
             <a:ext cx="221536" cy="369332"/>
           </a:xfrm>
           <a:prstGeom prst="rect">
@@ -5151,7 +5151,7 @@
         <p:spPr>
           <a:xfrm flipH="1" flipV="1">
             <a:off x="5237505" y="1505634"/>
-            <a:ext cx="917851" cy="2590101"/>
+            <a:ext cx="917851" cy="2608157"/>
           </a:xfrm>
           <a:prstGeom prst="straightConnector1">
             <a:avLst/>
@@ -5309,7 +5309,7 @@
         </p:nvSpPr>
         <p:spPr>
           <a:xfrm>
-            <a:off x="7635888" y="3915000"/>
+            <a:off x="7635888" y="3933056"/>
             <a:ext cx="216024" cy="216024"/>
           </a:xfrm>
           <a:prstGeom prst="ellipse">
@@ -5389,7 +5389,7 @@
         </p:nvSpPr>
         <p:spPr>
           <a:xfrm>
-            <a:off x="7397745" y="2408404"/>
+            <a:off x="7452320" y="2359704"/>
             <a:ext cx="439544" cy="230832"/>
           </a:xfrm>
           <a:prstGeom prst="rect">
@@ -5457,7 +5457,7 @@
         </p:nvSpPr>
         <p:spPr>
           <a:xfrm>
-            <a:off x="7606128" y="3358733"/>
+            <a:off x="7606128" y="3491716"/>
             <a:ext cx="221536" cy="369332"/>
           </a:xfrm>
           <a:prstGeom prst="rect">
@@ -5643,7 +5643,7 @@
         </p:nvCxnSpPr>
         <p:spPr>
           <a:xfrm flipH="1" flipV="1">
-            <a:off x="6339744" y="4019359"/>
+            <a:off x="6339744" y="4037415"/>
             <a:ext cx="1296144" cy="3653"/>
           </a:xfrm>
           <a:prstGeom prst="straightConnector1">
@@ -5716,7 +5716,7 @@
         <p:spPr>
           <a:xfrm flipH="1">
             <a:off x="7743900" y="1507847"/>
-            <a:ext cx="736250" cy="2407153"/>
+            <a:ext cx="736250" cy="2425209"/>
           </a:xfrm>
           <a:prstGeom prst="straightConnector1">
             <a:avLst/>
@@ -5830,7 +5830,7 @@
         </p:nvSpPr>
         <p:spPr>
           <a:xfrm>
-            <a:off x="6132593" y="2844637"/>
+            <a:off x="6132593" y="2977620"/>
             <a:ext cx="216024" cy="216024"/>
           </a:xfrm>
           <a:prstGeom prst="ellipse">
@@ -5876,7 +5876,7 @@
         </p:nvSpPr>
         <p:spPr>
           <a:xfrm>
-            <a:off x="6036216" y="3128023"/>
+            <a:off x="6036216" y="3261006"/>
             <a:ext cx="272832" cy="230832"/>
           </a:xfrm>
           <a:prstGeom prst="rect">
@@ -5910,7 +5910,7 @@
         </p:nvSpPr>
         <p:spPr>
           <a:xfrm>
-            <a:off x="6852673" y="2837466"/>
+            <a:off x="6852673" y="2970449"/>
             <a:ext cx="216024" cy="216024"/>
           </a:xfrm>
           <a:prstGeom prst="ellipse">
@@ -5956,7 +5956,7 @@
         </p:nvSpPr>
         <p:spPr>
           <a:xfrm>
-            <a:off x="6756296" y="3120852"/>
+            <a:off x="6756296" y="3253835"/>
             <a:ext cx="260008" cy="230832"/>
           </a:xfrm>
           <a:prstGeom prst="rect">
@@ -5994,7 +5994,7 @@
         <p:spPr>
           <a:xfrm flipH="1" flipV="1">
             <a:off x="5237505" y="1505634"/>
-            <a:ext cx="926724" cy="1370639"/>
+            <a:ext cx="926724" cy="1503622"/>
           </a:xfrm>
           <a:prstGeom prst="straightConnector1">
             <a:avLst/>
@@ -6026,7 +6026,7 @@
         </p:nvSpPr>
         <p:spPr>
           <a:xfrm>
-            <a:off x="7644761" y="2848290"/>
+            <a:off x="7644761" y="2981273"/>
             <a:ext cx="216024" cy="216024"/>
           </a:xfrm>
           <a:prstGeom prst="ellipse">
@@ -6072,7 +6072,7 @@
         </p:nvSpPr>
         <p:spPr>
           <a:xfrm>
-            <a:off x="7404368" y="3131676"/>
+            <a:off x="7404368" y="3264659"/>
             <a:ext cx="417102" cy="230832"/>
           </a:xfrm>
           <a:prstGeom prst="rect">
@@ -6109,7 +6109,7 @@
         </p:nvCxnSpPr>
         <p:spPr>
           <a:xfrm flipH="1" flipV="1">
-            <a:off x="6348617" y="2952649"/>
+            <a:off x="6348617" y="3085632"/>
             <a:ext cx="1296144" cy="3653"/>
           </a:xfrm>
           <a:prstGeom prst="straightConnector1">
@@ -6169,7 +6169,7 @@
                         <m:sSubSupPr>
                           <m:ctrlPr>
                             <a:rPr lang="ko-KR" altLang="ko-KR" sz="900" i="1" smtClean="0">
-                              <a:latin typeface="Cambria Math" panose="02040503050406030204" pitchFamily="18" charset="0"/>
+                              <a:latin typeface="Cambria Math"/>
                             </a:rPr>
                           </m:ctrlPr>
                         </m:sSubSupPr>
@@ -6283,7 +6283,7 @@
                         <m:sSubSupPr>
                           <m:ctrlPr>
                             <a:rPr lang="ko-KR" altLang="ko-KR" sz="900" i="1" smtClean="0">
-                              <a:latin typeface="Cambria Math" panose="02040503050406030204" pitchFamily="18" charset="0"/>
+                              <a:latin typeface="Cambria Math"/>
                             </a:rPr>
                           </m:ctrlPr>
                         </m:sSubSupPr>
@@ -6397,7 +6397,7 @@
                         <m:sSubSupPr>
                           <m:ctrlPr>
                             <a:rPr lang="ko-KR" altLang="ko-KR" sz="900" i="1" smtClean="0">
-                              <a:latin typeface="Cambria Math" panose="02040503050406030204" pitchFamily="18" charset="0"/>
+                              <a:latin typeface="Cambria Math"/>
                             </a:rPr>
                           </m:ctrlPr>
                         </m:sSubSupPr>
@@ -6511,7 +6511,7 @@
                         <m:sSubSupPr>
                           <m:ctrlPr>
                             <a:rPr lang="ko-KR" altLang="ko-KR" sz="900" i="1" smtClean="0">
-                              <a:latin typeface="Cambria Math" panose="02040503050406030204" pitchFamily="18" charset="0"/>
+                              <a:latin typeface="Cambria Math"/>
                             </a:rPr>
                           </m:ctrlPr>
                         </m:sSubSupPr>
@@ -6763,7 +6763,7 @@
                         <m:sSubSupPr>
                           <m:ctrlPr>
                             <a:rPr lang="ko-KR" altLang="ko-KR" sz="900" i="1" smtClean="0">
-                              <a:latin typeface="Cambria Math" panose="02040503050406030204" pitchFamily="18" charset="0"/>
+                              <a:latin typeface="Cambria Math"/>
                             </a:rPr>
                           </m:ctrlPr>
                         </m:sSubSupPr>
@@ -6961,7 +6961,7 @@
                         <m:sSubSupPr>
                           <m:ctrlPr>
                             <a:rPr lang="ko-KR" altLang="ko-KR" sz="900" i="1" smtClean="0">
-                              <a:latin typeface="Cambria Math" panose="02040503050406030204" pitchFamily="18" charset="0"/>
+                              <a:latin typeface="Cambria Math"/>
                             </a:rPr>
                           </m:ctrlPr>
                         </m:sSubSupPr>
@@ -7075,7 +7075,7 @@
                         <m:sSubSupPr>
                           <m:ctrlPr>
                             <a:rPr lang="ko-KR" altLang="ko-KR" sz="900" i="1" smtClean="0">
-                              <a:latin typeface="Cambria Math" panose="02040503050406030204" pitchFamily="18" charset="0"/>
+                              <a:latin typeface="Cambria Math"/>
                             </a:rPr>
                           </m:ctrlPr>
                         </m:sSubSupPr>
@@ -7189,7 +7189,7 @@
                         <m:sSubSupPr>
                           <m:ctrlPr>
                             <a:rPr lang="ko-KR" altLang="ko-KR" sz="900" i="1" smtClean="0">
-                              <a:latin typeface="Cambria Math" panose="02040503050406030204" pitchFamily="18" charset="0"/>
+                              <a:latin typeface="Cambria Math"/>
                             </a:rPr>
                           </m:ctrlPr>
                         </m:sSubSupPr>
@@ -7303,7 +7303,7 @@
                         <m:sSubSupPr>
                           <m:ctrlPr>
                             <a:rPr lang="ko-KR" altLang="ko-KR" sz="900" i="1" smtClean="0">
-                              <a:latin typeface="Cambria Math" panose="02040503050406030204" pitchFamily="18" charset="0"/>
+                              <a:latin typeface="Cambria Math"/>
                             </a:rPr>
                           </m:ctrlPr>
                         </m:sSubSupPr>
@@ -7417,7 +7417,7 @@
                         <m:sSubSupPr>
                           <m:ctrlPr>
                             <a:rPr lang="ko-KR" altLang="ko-KR" sz="900" i="1" smtClean="0">
-                              <a:latin typeface="Cambria Math" panose="02040503050406030204" pitchFamily="18" charset="0"/>
+                              <a:latin typeface="Cambria Math"/>
                             </a:rPr>
                           </m:ctrlPr>
                         </m:sSubSupPr>
@@ -7531,7 +7531,7 @@
                         <m:sSubSupPr>
                           <m:ctrlPr>
                             <a:rPr lang="ko-KR" altLang="ko-KR" sz="900" i="1" smtClean="0">
-                              <a:latin typeface="Cambria Math" panose="02040503050406030204" pitchFamily="18" charset="0"/>
+                              <a:latin typeface="Cambria Math"/>
                             </a:rPr>
                           </m:ctrlPr>
                         </m:sSubSupPr>
@@ -7651,7 +7651,7 @@
                         <m:sSubSupPr>
                           <m:ctrlPr>
                             <a:rPr lang="ko-KR" altLang="ko-KR" sz="900" i="1" smtClean="0">
-                              <a:latin typeface="Cambria Math" panose="02040503050406030204" pitchFamily="18" charset="0"/>
+                              <a:latin typeface="Cambria Math"/>
                             </a:rPr>
                           </m:ctrlPr>
                         </m:sSubSupPr>
@@ -7765,7 +7765,7 @@
                         <m:sSubSupPr>
                           <m:ctrlPr>
                             <a:rPr lang="ko-KR" altLang="ko-KR" sz="900" i="1" smtClean="0">
-                              <a:latin typeface="Cambria Math" panose="02040503050406030204" pitchFamily="18" charset="0"/>
+                              <a:latin typeface="Cambria Math"/>
                             </a:rPr>
                           </m:ctrlPr>
                         </m:sSubSupPr>
@@ -7879,7 +7879,7 @@
                         <m:sSubSupPr>
                           <m:ctrlPr>
                             <a:rPr lang="ko-KR" altLang="ko-KR" sz="900" i="1" smtClean="0">
-                              <a:latin typeface="Cambria Math" panose="02040503050406030204" pitchFamily="18" charset="0"/>
+                              <a:latin typeface="Cambria Math"/>
                             </a:rPr>
                           </m:ctrlPr>
                         </m:sSubSupPr>
@@ -7993,7 +7993,7 @@
                         <m:sSubSupPr>
                           <m:ctrlPr>
                             <a:rPr lang="ko-KR" altLang="ko-KR" sz="900" i="1" smtClean="0">
-                              <a:latin typeface="Cambria Math" panose="02040503050406030204" pitchFamily="18" charset="0"/>
+                              <a:latin typeface="Cambria Math"/>
                             </a:rPr>
                           </m:ctrlPr>
                         </m:sSubSupPr>
@@ -8107,7 +8107,7 @@
                         <m:sSubSupPr>
                           <m:ctrlPr>
                             <a:rPr lang="ko-KR" altLang="ko-KR" sz="900" i="1" smtClean="0">
-                              <a:latin typeface="Cambria Math" panose="02040503050406030204" pitchFamily="18" charset="0"/>
+                              <a:latin typeface="Cambria Math"/>
                             </a:rPr>
                           </m:ctrlPr>
                         </m:sSubSupPr>
@@ -8227,7 +8227,7 @@
                         <m:sSubSupPr>
                           <m:ctrlPr>
                             <a:rPr lang="ko-KR" altLang="ko-KR" sz="900" i="1" smtClean="0">
-                              <a:latin typeface="Cambria Math" panose="02040503050406030204" pitchFamily="18" charset="0"/>
+                              <a:latin typeface="Cambria Math"/>
                             </a:rPr>
                           </m:ctrlPr>
                         </m:sSubSupPr>
@@ -8341,7 +8341,7 @@
                         <m:sSubSupPr>
                           <m:ctrlPr>
                             <a:rPr lang="ko-KR" altLang="ko-KR" sz="900" i="1" smtClean="0">
-                              <a:latin typeface="Cambria Math" panose="02040503050406030204" pitchFamily="18" charset="0"/>
+                              <a:latin typeface="Cambria Math"/>
                             </a:rPr>
                           </m:ctrlPr>
                         </m:sSubSupPr>
@@ -8455,7 +8455,7 @@
                         <m:sSubSupPr>
                           <m:ctrlPr>
                             <a:rPr lang="ko-KR" altLang="ko-KR" sz="900" i="1" smtClean="0">
-                              <a:latin typeface="Cambria Math" panose="02040503050406030204" pitchFamily="18" charset="0"/>
+                              <a:latin typeface="Cambria Math"/>
                             </a:rPr>
                           </m:ctrlPr>
                         </m:sSubSupPr>
@@ -8569,7 +8569,7 @@
                         <m:sSubSupPr>
                           <m:ctrlPr>
                             <a:rPr lang="ko-KR" altLang="ko-KR" sz="900" i="1" smtClean="0">
-                              <a:latin typeface="Cambria Math" panose="02040503050406030204" pitchFamily="18" charset="0"/>
+                              <a:latin typeface="Cambria Math"/>
                             </a:rPr>
                           </m:ctrlPr>
                         </m:sSubSupPr>
@@ -8683,7 +8683,7 @@
                         <m:sSubSupPr>
                           <m:ctrlPr>
                             <a:rPr lang="ko-KR" altLang="ko-KR" sz="900" i="1" smtClean="0">
-                              <a:latin typeface="Cambria Math" panose="02040503050406030204" pitchFamily="18" charset="0"/>
+                              <a:latin typeface="Cambria Math"/>
                             </a:rPr>
                           </m:ctrlPr>
                         </m:sSubSupPr>
@@ -8797,7 +8797,7 @@
                         <m:sSubSupPr>
                           <m:ctrlPr>
                             <a:rPr lang="ko-KR" altLang="ko-KR" sz="900" i="1" smtClean="0">
-                              <a:latin typeface="Cambria Math" panose="02040503050406030204" pitchFamily="18" charset="0"/>
+                              <a:latin typeface="Cambria Math"/>
                             </a:rPr>
                           </m:ctrlPr>
                         </m:sSubSupPr>
@@ -8911,7 +8911,7 @@
                         <m:sSubSupPr>
                           <m:ctrlPr>
                             <a:rPr lang="ko-KR" altLang="ko-KR" sz="900" i="1" smtClean="0">
-                              <a:latin typeface="Cambria Math" panose="02040503050406030204" pitchFamily="18" charset="0"/>
+                              <a:latin typeface="Cambria Math"/>
                             </a:rPr>
                           </m:ctrlPr>
                         </m:sSubSupPr>
@@ -9025,7 +9025,7 @@
                         <m:sSubSupPr>
                           <m:ctrlPr>
                             <a:rPr lang="ko-KR" altLang="ko-KR" sz="900" i="1" smtClean="0">
-                              <a:latin typeface="Cambria Math" panose="02040503050406030204" pitchFamily="18" charset="0"/>
+                              <a:latin typeface="Cambria Math"/>
                             </a:rPr>
                           </m:ctrlPr>
                         </m:sSubSupPr>
@@ -9139,7 +9139,7 @@
                         <m:sSubSupPr>
                           <m:ctrlPr>
                             <a:rPr lang="ko-KR" altLang="ko-KR" sz="900" i="1" smtClean="0">
-                              <a:latin typeface="Cambria Math" panose="02040503050406030204" pitchFamily="18" charset="0"/>
+                              <a:latin typeface="Cambria Math"/>
                             </a:rPr>
                           </m:ctrlPr>
                         </m:sSubSupPr>
@@ -9181,7 +9181,7 @@
                         <m:sSubSupPr>
                           <m:ctrlPr>
                             <a:rPr lang="ko-KR" altLang="ko-KR" sz="900" i="1" smtClean="0">
-                              <a:latin typeface="Cambria Math" panose="02040503050406030204" pitchFamily="18" charset="0"/>
+                              <a:latin typeface="Cambria Math"/>
                             </a:rPr>
                           </m:ctrlPr>
                         </m:sSubSupPr>
@@ -9295,7 +9295,7 @@
                         <m:sSubPr>
                           <m:ctrlPr>
                             <a:rPr lang="en-US" altLang="ko-KR" sz="900" b="0" i="1" smtClean="0">
-                              <a:latin typeface="Cambria Math" panose="02040503050406030204" pitchFamily="18" charset="0"/>
+                              <a:latin typeface="Cambria Math"/>
                             </a:rPr>
                           </m:ctrlPr>
                         </m:sSubPr>
@@ -9404,7 +9404,7 @@
                         <m:sSubSupPr>
                           <m:ctrlPr>
                             <a:rPr lang="ko-KR" altLang="ko-KR" sz="900" i="1" smtClean="0">
-                              <a:latin typeface="Cambria Math" panose="02040503050406030204" pitchFamily="18" charset="0"/>
+                              <a:latin typeface="Cambria Math"/>
                             </a:rPr>
                           </m:ctrlPr>
                         </m:sSubSupPr>
@@ -9446,7 +9446,7 @@
                         <m:sSubSupPr>
                           <m:ctrlPr>
                             <a:rPr lang="ko-KR" altLang="ko-KR" sz="900" i="1" smtClean="0">
-                              <a:latin typeface="Cambria Math" panose="02040503050406030204" pitchFamily="18" charset="0"/>
+                              <a:latin typeface="Cambria Math"/>
                             </a:rPr>
                           </m:ctrlPr>
                         </m:sSubSupPr>
@@ -9560,7 +9560,7 @@
                         <m:sSubSupPr>
                           <m:ctrlPr>
                             <a:rPr lang="ko-KR" altLang="ko-KR" sz="900" i="1" smtClean="0">
-                              <a:latin typeface="Cambria Math" panose="02040503050406030204" pitchFamily="18" charset="0"/>
+                              <a:latin typeface="Cambria Math"/>
                             </a:rPr>
                           </m:ctrlPr>
                         </m:sSubSupPr>
@@ -9663,7 +9663,7 @@
         <p:spPr>
           <a:xfrm flipH="1">
             <a:off x="7829149" y="1507847"/>
-            <a:ext cx="651001" cy="1372079"/>
+            <a:ext cx="651001" cy="1505062"/>
           </a:xfrm>
           <a:prstGeom prst="straightConnector1">
             <a:avLst/>
@@ -10115,7 +10115,7 @@
                         <m:sSubSupPr>
                           <m:ctrlPr>
                             <a:rPr lang="ko-KR" altLang="ko-KR" sz="900" i="1" smtClean="0">
-                              <a:latin typeface="Cambria Math" panose="02040503050406030204" pitchFamily="18" charset="0"/>
+                              <a:latin typeface="Cambria Math"/>
                             </a:rPr>
                           </m:ctrlPr>
                         </m:sSubSupPr>
@@ -10229,7 +10229,7 @@
                         <m:sSubSupPr>
                           <m:ctrlPr>
                             <a:rPr lang="ko-KR" altLang="ko-KR" sz="900" i="1" smtClean="0">
-                              <a:latin typeface="Cambria Math" panose="02040503050406030204" pitchFamily="18" charset="0"/>
+                              <a:latin typeface="Cambria Math"/>
                             </a:rPr>
                           </m:ctrlPr>
                         </m:sSubSupPr>
@@ -10349,7 +10349,7 @@
                         <m:sSubSupPr>
                           <m:ctrlPr>
                             <a:rPr lang="ko-KR" altLang="ko-KR" sz="900" i="1" smtClean="0">
-                              <a:latin typeface="Cambria Math" panose="02040503050406030204" pitchFamily="18" charset="0"/>
+                              <a:latin typeface="Cambria Math"/>
                             </a:rPr>
                           </m:ctrlPr>
                         </m:sSubSupPr>
@@ -10463,7 +10463,7 @@
                         <m:sSubSupPr>
                           <m:ctrlPr>
                             <a:rPr lang="ko-KR" altLang="ko-KR" sz="900" i="1" smtClean="0">
-                              <a:latin typeface="Cambria Math" panose="02040503050406030204" pitchFamily="18" charset="0"/>
+                              <a:latin typeface="Cambria Math"/>
                             </a:rPr>
                           </m:ctrlPr>
                         </m:sSubSupPr>
@@ -10577,7 +10577,7 @@
                         <m:sSubSupPr>
                           <m:ctrlPr>
                             <a:rPr lang="ko-KR" altLang="ko-KR" sz="900" i="1" smtClean="0">
-                              <a:latin typeface="Cambria Math" panose="02040503050406030204" pitchFamily="18" charset="0"/>
+                              <a:latin typeface="Cambria Math"/>
                             </a:rPr>
                           </m:ctrlPr>
                         </m:sSubSupPr>
@@ -10691,7 +10691,7 @@
                         <m:sSubSupPr>
                           <m:ctrlPr>
                             <a:rPr lang="ko-KR" altLang="ko-KR" sz="900" i="1" smtClean="0">
-                              <a:latin typeface="Cambria Math" panose="02040503050406030204" pitchFamily="18" charset="0"/>
+                              <a:latin typeface="Cambria Math"/>
                             </a:rPr>
                           </m:ctrlPr>
                         </m:sSubSupPr>
@@ -10805,7 +10805,7 @@
                         <m:sSubSupPr>
                           <m:ctrlPr>
                             <a:rPr lang="ko-KR" altLang="ko-KR" sz="900" i="1" smtClean="0">
-                              <a:latin typeface="Cambria Math" panose="02040503050406030204" pitchFamily="18" charset="0"/>
+                              <a:latin typeface="Cambria Math"/>
                             </a:rPr>
                           </m:ctrlPr>
                         </m:sSubSupPr>
@@ -10919,7 +10919,7 @@
                         <m:sSubSupPr>
                           <m:ctrlPr>
                             <a:rPr lang="ko-KR" altLang="ko-KR" sz="900" i="1" smtClean="0">
-                              <a:latin typeface="Cambria Math" panose="02040503050406030204" pitchFamily="18" charset="0"/>
+                              <a:latin typeface="Cambria Math"/>
                             </a:rPr>
                           </m:ctrlPr>
                         </m:sSubSupPr>
@@ -11033,7 +11033,7 @@
                         <m:sSubSupPr>
                           <m:ctrlPr>
                             <a:rPr lang="ko-KR" altLang="ko-KR" sz="900" i="1" smtClean="0">
-                              <a:latin typeface="Cambria Math" panose="02040503050406030204" pitchFamily="18" charset="0"/>
+                              <a:latin typeface="Cambria Math"/>
                             </a:rPr>
                           </m:ctrlPr>
                         </m:sSubSupPr>
@@ -11147,7 +11147,7 @@
                         <m:sSubSupPr>
                           <m:ctrlPr>
                             <a:rPr lang="ko-KR" altLang="ko-KR" sz="900" i="1" smtClean="0">
-                              <a:latin typeface="Cambria Math" panose="02040503050406030204" pitchFamily="18" charset="0"/>
+                              <a:latin typeface="Cambria Math"/>
                             </a:rPr>
                           </m:ctrlPr>
                         </m:sSubSupPr>
@@ -11261,7 +11261,7 @@
                         <m:sSubSupPr>
                           <m:ctrlPr>
                             <a:rPr lang="ko-KR" altLang="ko-KR" sz="900" i="1" smtClean="0">
-                              <a:latin typeface="Cambria Math" panose="02040503050406030204" pitchFamily="18" charset="0"/>
+                              <a:latin typeface="Cambria Math"/>
                             </a:rPr>
                           </m:ctrlPr>
                         </m:sSubSupPr>
@@ -11303,7 +11303,7 @@
                         <m:sSubSupPr>
                           <m:ctrlPr>
                             <a:rPr lang="ko-KR" altLang="ko-KR" sz="900" i="1" smtClean="0">
-                              <a:latin typeface="Cambria Math" panose="02040503050406030204" pitchFamily="18" charset="0"/>
+                              <a:latin typeface="Cambria Math"/>
                             </a:rPr>
                           </m:ctrlPr>
                         </m:sSubSupPr>
@@ -11639,7 +11639,7 @@
                         <m:sSubSupPr>
                           <m:ctrlPr>
                             <a:rPr lang="ko-KR" altLang="ko-KR" sz="900" i="1" smtClean="0">
-                              <a:latin typeface="Cambria Math" panose="02040503050406030204" pitchFamily="18" charset="0"/>
+                              <a:latin typeface="Cambria Math"/>
                             </a:rPr>
                           </m:ctrlPr>
                         </m:sSubSupPr>
@@ -11897,7 +11897,7 @@
                         <m:sSubSupPr>
                           <m:ctrlPr>
                             <a:rPr lang="ko-KR" altLang="ko-KR" sz="900" i="1" smtClean="0">
-                              <a:latin typeface="Cambria Math" panose="02040503050406030204" pitchFamily="18" charset="0"/>
+                              <a:latin typeface="Cambria Math"/>
                             </a:rPr>
                           </m:ctrlPr>
                         </m:sSubSupPr>
@@ -12011,7 +12011,7 @@
                         <m:sSubSupPr>
                           <m:ctrlPr>
                             <a:rPr lang="ko-KR" altLang="ko-KR" sz="900" i="1" smtClean="0">
-                              <a:latin typeface="Cambria Math" panose="02040503050406030204" pitchFamily="18" charset="0"/>
+                              <a:latin typeface="Cambria Math"/>
                             </a:rPr>
                           </m:ctrlPr>
                         </m:sSubSupPr>
@@ -12125,7 +12125,7 @@
                         <m:sSubSupPr>
                           <m:ctrlPr>
                             <a:rPr lang="ko-KR" altLang="ko-KR" sz="900" i="1" smtClean="0">
-                              <a:latin typeface="Cambria Math" panose="02040503050406030204" pitchFamily="18" charset="0"/>
+                              <a:latin typeface="Cambria Math"/>
                             </a:rPr>
                           </m:ctrlPr>
                         </m:sSubSupPr>
@@ -12239,7 +12239,7 @@
                         <m:sSubSupPr>
                           <m:ctrlPr>
                             <a:rPr lang="ko-KR" altLang="ko-KR" sz="900" i="1" smtClean="0">
-                              <a:latin typeface="Cambria Math" panose="02040503050406030204" pitchFamily="18" charset="0"/>
+                              <a:latin typeface="Cambria Math"/>
                             </a:rPr>
                           </m:ctrlPr>
                         </m:sSubSupPr>
@@ -12353,7 +12353,7 @@
                         <m:sSubSupPr>
                           <m:ctrlPr>
                             <a:rPr lang="ko-KR" altLang="ko-KR" sz="900" i="1" smtClean="0">
-                              <a:latin typeface="Cambria Math" panose="02040503050406030204" pitchFamily="18" charset="0"/>
+                              <a:latin typeface="Cambria Math"/>
                             </a:rPr>
                           </m:ctrlPr>
                         </m:sSubSupPr>
@@ -13082,6 +13082,111 @@
           </a:p>
           <a:p>
             <a:endParaRPr lang="ko-KR" altLang="en-US" sz="900" b="1" baseline="-25000" dirty="0"/>
+          </a:p>
+        </p:txBody>
+      </p:sp>
+      <p:sp>
+        <p:nvSpPr>
+          <p:cNvPr id="204" name="TextBox 203"/>
+          <p:cNvSpPr txBox="1"/>
+          <p:nvPr/>
+        </p:nvSpPr>
+        <p:spPr>
+          <a:xfrm>
+            <a:off x="6071319" y="2562732"/>
+            <a:ext cx="221536" cy="369332"/>
+          </a:xfrm>
+          <a:prstGeom prst="rect">
+            <a:avLst/>
+          </a:prstGeom>
+          <a:noFill/>
+        </p:spPr>
+        <p:txBody>
+          <a:bodyPr wrap="none" rtlCol="0">
+            <a:spAutoFit/>
+          </a:bodyPr>
+          <a:lstStyle/>
+          <a:p>
+            <a:r>
+              <a:rPr lang="en-US" altLang="ko-KR" sz="900" b="1" dirty="0"/>
+              <a:t>∙</a:t>
+            </a:r>
+          </a:p>
+          <a:p>
+            <a:r>
+              <a:rPr lang="en-US" altLang="ko-KR" sz="900" b="1" dirty="0"/>
+              <a:t>∙</a:t>
+            </a:r>
+          </a:p>
+        </p:txBody>
+      </p:sp>
+      <p:sp>
+        <p:nvSpPr>
+          <p:cNvPr id="210" name="TextBox 209"/>
+          <p:cNvSpPr txBox="1"/>
+          <p:nvPr/>
+        </p:nvSpPr>
+        <p:spPr>
+          <a:xfrm>
+            <a:off x="6791399" y="2555561"/>
+            <a:ext cx="221536" cy="369332"/>
+          </a:xfrm>
+          <a:prstGeom prst="rect">
+            <a:avLst/>
+          </a:prstGeom>
+          <a:noFill/>
+        </p:spPr>
+        <p:txBody>
+          <a:bodyPr wrap="none" rtlCol="0">
+            <a:spAutoFit/>
+          </a:bodyPr>
+          <a:lstStyle/>
+          <a:p>
+            <a:r>
+              <a:rPr lang="en-US" altLang="ko-KR" sz="900" b="1" dirty="0"/>
+              <a:t>∙</a:t>
+            </a:r>
+          </a:p>
+          <a:p>
+            <a:r>
+              <a:rPr lang="en-US" altLang="ko-KR" sz="900" b="1" dirty="0"/>
+              <a:t>∙</a:t>
+            </a:r>
+          </a:p>
+        </p:txBody>
+      </p:sp>
+      <p:sp>
+        <p:nvSpPr>
+          <p:cNvPr id="221" name="TextBox 220"/>
+          <p:cNvSpPr txBox="1"/>
+          <p:nvPr/>
+        </p:nvSpPr>
+        <p:spPr>
+          <a:xfrm>
+            <a:off x="7583487" y="2566385"/>
+            <a:ext cx="221536" cy="369332"/>
+          </a:xfrm>
+          <a:prstGeom prst="rect">
+            <a:avLst/>
+          </a:prstGeom>
+          <a:noFill/>
+        </p:spPr>
+        <p:txBody>
+          <a:bodyPr wrap="none" rtlCol="0">
+            <a:spAutoFit/>
+          </a:bodyPr>
+          <a:lstStyle/>
+          <a:p>
+            <a:r>
+              <a:rPr lang="en-US" altLang="ko-KR" sz="900" b="1" dirty="0"/>
+              <a:t>∙</a:t>
+            </a:r>
+          </a:p>
+          <a:p>
+            <a:r>
+              <a:rPr lang="en-US" altLang="ko-KR" sz="900" b="1" dirty="0"/>
+              <a:t>∙</a:t>
+            </a:r>
           </a:p>
         </p:txBody>
       </p:sp>

--- a/doc/neural_network_for_multilayers02.pptx
+++ b/doc/neural_network_for_multilayers02.pptx
@@ -106,7 +106,7 @@
   </p:defaultTextStyle>
   <p:extLst>
     <p:ext uri="{EFAFB233-063F-42B5-8137-9DF3F51BA10A}">
-      <p15:sldGuideLst xmlns:p15="http://schemas.microsoft.com/office/powerpoint/2012/main" xmlns="">
+      <p15:sldGuideLst xmlns="" xmlns:p15="http://schemas.microsoft.com/office/powerpoint/2012/main">
         <p15:guide id="1" orient="horz" pos="2160">
           <p15:clr>
             <a:srgbClr val="A4A3A4"/>
@@ -302,7 +302,7 @@
           <a:p>
             <a:fld id="{FB30EDBD-1C2D-4C1E-B459-B60219FAB484}" type="datetimeFigureOut">
               <a:rPr lang="ko-KR" altLang="en-US" smtClean="0"/>
-              <a:t>2019-12-01</a:t>
+              <a:t>2020-02-22</a:t>
             </a:fld>
             <a:endParaRPr lang="ko-KR" altLang="en-US" dirty="0"/>
           </a:p>
@@ -465,7 +465,7 @@
           <a:p>
             <a:fld id="{FB30EDBD-1C2D-4C1E-B459-B60219FAB484}" type="datetimeFigureOut">
               <a:rPr lang="ko-KR" altLang="en-US" smtClean="0"/>
-              <a:t>2019-12-01</a:t>
+              <a:t>2020-02-22</a:t>
             </a:fld>
             <a:endParaRPr lang="ko-KR" altLang="en-US" dirty="0"/>
           </a:p>
@@ -638,7 +638,7 @@
           <a:p>
             <a:fld id="{FB30EDBD-1C2D-4C1E-B459-B60219FAB484}" type="datetimeFigureOut">
               <a:rPr lang="ko-KR" altLang="en-US" smtClean="0"/>
-              <a:t>2019-12-01</a:t>
+              <a:t>2020-02-22</a:t>
             </a:fld>
             <a:endParaRPr lang="ko-KR" altLang="en-US" dirty="0"/>
           </a:p>
@@ -801,7 +801,7 @@
           <a:p>
             <a:fld id="{FB30EDBD-1C2D-4C1E-B459-B60219FAB484}" type="datetimeFigureOut">
               <a:rPr lang="ko-KR" altLang="en-US" smtClean="0"/>
-              <a:t>2019-12-01</a:t>
+              <a:t>2020-02-22</a:t>
             </a:fld>
             <a:endParaRPr lang="ko-KR" altLang="en-US" dirty="0"/>
           </a:p>
@@ -1041,7 +1041,7 @@
           <a:p>
             <a:fld id="{FB30EDBD-1C2D-4C1E-B459-B60219FAB484}" type="datetimeFigureOut">
               <a:rPr lang="ko-KR" altLang="en-US" smtClean="0"/>
-              <a:t>2019-12-01</a:t>
+              <a:t>2020-02-22</a:t>
             </a:fld>
             <a:endParaRPr lang="ko-KR" altLang="en-US" dirty="0"/>
           </a:p>
@@ -1321,7 +1321,7 @@
           <a:p>
             <a:fld id="{FB30EDBD-1C2D-4C1E-B459-B60219FAB484}" type="datetimeFigureOut">
               <a:rPr lang="ko-KR" altLang="en-US" smtClean="0"/>
-              <a:t>2019-12-01</a:t>
+              <a:t>2020-02-22</a:t>
             </a:fld>
             <a:endParaRPr lang="ko-KR" altLang="en-US" dirty="0"/>
           </a:p>
@@ -1735,7 +1735,7 @@
           <a:p>
             <a:fld id="{FB30EDBD-1C2D-4C1E-B459-B60219FAB484}" type="datetimeFigureOut">
               <a:rPr lang="ko-KR" altLang="en-US" smtClean="0"/>
-              <a:t>2019-12-01</a:t>
+              <a:t>2020-02-22</a:t>
             </a:fld>
             <a:endParaRPr lang="ko-KR" altLang="en-US" dirty="0"/>
           </a:p>
@@ -1847,7 +1847,7 @@
           <a:p>
             <a:fld id="{FB30EDBD-1C2D-4C1E-B459-B60219FAB484}" type="datetimeFigureOut">
               <a:rPr lang="ko-KR" altLang="en-US" smtClean="0"/>
-              <a:t>2019-12-01</a:t>
+              <a:t>2020-02-22</a:t>
             </a:fld>
             <a:endParaRPr lang="ko-KR" altLang="en-US" dirty="0"/>
           </a:p>
@@ -1937,7 +1937,7 @@
           <a:p>
             <a:fld id="{FB30EDBD-1C2D-4C1E-B459-B60219FAB484}" type="datetimeFigureOut">
               <a:rPr lang="ko-KR" altLang="en-US" smtClean="0"/>
-              <a:t>2019-12-01</a:t>
+              <a:t>2020-02-22</a:t>
             </a:fld>
             <a:endParaRPr lang="ko-KR" altLang="en-US" dirty="0"/>
           </a:p>
@@ -2207,7 +2207,7 @@
           <a:p>
             <a:fld id="{FB30EDBD-1C2D-4C1E-B459-B60219FAB484}" type="datetimeFigureOut">
               <a:rPr lang="ko-KR" altLang="en-US" smtClean="0"/>
-              <a:t>2019-12-01</a:t>
+              <a:t>2020-02-22</a:t>
             </a:fld>
             <a:endParaRPr lang="ko-KR" altLang="en-US" dirty="0"/>
           </a:p>
@@ -2454,7 +2454,7 @@
           <a:p>
             <a:fld id="{FB30EDBD-1C2D-4C1E-B459-B60219FAB484}" type="datetimeFigureOut">
               <a:rPr lang="ko-KR" altLang="en-US" smtClean="0"/>
-              <a:t>2019-12-01</a:t>
+              <a:t>2020-02-22</a:t>
             </a:fld>
             <a:endParaRPr lang="ko-KR" altLang="en-US" dirty="0"/>
           </a:p>
@@ -2660,7 +2660,7 @@
           <a:p>
             <a:fld id="{FB30EDBD-1C2D-4C1E-B459-B60219FAB484}" type="datetimeFigureOut">
               <a:rPr lang="ko-KR" altLang="en-US" smtClean="0"/>
-              <a:t>2019-12-01</a:t>
+              <a:t>2020-02-22</a:t>
             </a:fld>
             <a:endParaRPr lang="ko-KR" altLang="en-US" dirty="0"/>
           </a:p>
@@ -3375,11 +3375,11 @@
           <a:lstStyle/>
           <a:p>
             <a:r>
-              <a:rPr lang="en-US" altLang="ko-KR" sz="900" dirty="0" err="1"/>
+              <a:rPr lang="en-US" altLang="ko-KR" sz="900" dirty="0"/>
               <a:t>p</a:t>
             </a:r>
             <a:r>
-              <a:rPr lang="en-US" altLang="ko-KR" sz="900" baseline="-25000" dirty="0" err="1"/>
+              <a:rPr lang="en-US" altLang="ko-KR" sz="900" baseline="-25000" dirty="0"/>
               <a:t>l</a:t>
             </a:r>
             <a:endParaRPr lang="ko-KR" altLang="en-US" sz="900" baseline="-25000" dirty="0"/>
@@ -3409,11 +3409,11 @@
           <a:lstStyle/>
           <a:p>
             <a:r>
-              <a:rPr lang="en-US" altLang="ko-KR" sz="900" dirty="0" err="1"/>
+              <a:rPr lang="en-US" altLang="ko-KR" sz="900" dirty="0"/>
               <a:t>y</a:t>
             </a:r>
             <a:r>
-              <a:rPr lang="en-US" altLang="ko-KR" sz="900" baseline="-25000" dirty="0" err="1"/>
+              <a:rPr lang="en-US" altLang="ko-KR" sz="900" baseline="-25000" dirty="0"/>
               <a:t>l</a:t>
             </a:r>
             <a:endParaRPr lang="ko-KR" altLang="en-US" sz="900" baseline="-25000" dirty="0"/>
@@ -5198,11 +5198,11 @@
           <a:lstStyle/>
           <a:p>
             <a:r>
-              <a:rPr lang="en-US" altLang="ko-KR" sz="900" dirty="0" err="1"/>
+              <a:rPr lang="en-US" altLang="ko-KR" sz="900" dirty="0"/>
               <a:t>cost</a:t>
             </a:r>
             <a:r>
-              <a:rPr lang="en-US" altLang="ko-KR" sz="900" baseline="-25000" dirty="0" err="1"/>
+              <a:rPr lang="en-US" altLang="ko-KR" sz="900" baseline="-25000" dirty="0"/>
               <a:t>l</a:t>
             </a:r>
             <a:endParaRPr lang="ko-KR" altLang="en-US" sz="900" baseline="-25000" dirty="0"/>
@@ -5891,11 +5891,11 @@
           <a:lstStyle/>
           <a:p>
             <a:r>
-              <a:rPr lang="en-US" altLang="ko-KR" sz="900" dirty="0" err="1"/>
+              <a:rPr lang="en-US" altLang="ko-KR" sz="900" dirty="0"/>
               <a:t>p</a:t>
             </a:r>
             <a:r>
-              <a:rPr lang="en-US" altLang="ko-KR" sz="900" baseline="-25000" dirty="0" err="1"/>
+              <a:rPr lang="en-US" altLang="ko-KR" sz="900" baseline="-25000" dirty="0"/>
               <a:t>l</a:t>
             </a:r>
             <a:endParaRPr lang="ko-KR" altLang="en-US" sz="900" baseline="-25000" dirty="0"/>
@@ -5971,11 +5971,11 @@
           <a:lstStyle/>
           <a:p>
             <a:r>
-              <a:rPr lang="en-US" altLang="ko-KR" sz="900" dirty="0" err="1"/>
+              <a:rPr lang="en-US" altLang="ko-KR" sz="900" dirty="0"/>
               <a:t>y</a:t>
             </a:r>
             <a:r>
-              <a:rPr lang="en-US" altLang="ko-KR" sz="900" baseline="-25000" dirty="0" err="1"/>
+              <a:rPr lang="en-US" altLang="ko-KR" sz="900" baseline="-25000" dirty="0"/>
               <a:t>l</a:t>
             </a:r>
             <a:endParaRPr lang="ko-KR" altLang="en-US" sz="900" baseline="-25000" dirty="0"/>
@@ -6087,11 +6087,11 @@
           <a:lstStyle/>
           <a:p>
             <a:r>
-              <a:rPr lang="en-US" altLang="ko-KR" sz="900" dirty="0" err="1"/>
+              <a:rPr lang="en-US" altLang="ko-KR" sz="900" dirty="0"/>
               <a:t>cost</a:t>
             </a:r>
             <a:r>
-              <a:rPr lang="en-US" altLang="ko-KR" sz="900" baseline="-25000" dirty="0" err="1"/>
+              <a:rPr lang="en-US" altLang="ko-KR" sz="900" baseline="-25000" dirty="0"/>
               <a:t>l</a:t>
             </a:r>
             <a:endParaRPr lang="ko-KR" altLang="en-US" sz="900" baseline="-25000" dirty="0"/>
@@ -9696,7 +9696,7 @@
         <p:spPr>
           <a:xfrm>
             <a:off x="3551165" y="156796"/>
-            <a:ext cx="2524858" cy="369332"/>
+            <a:ext cx="2733249" cy="369332"/>
           </a:xfrm>
           <a:prstGeom prst="rect">
             <a:avLst/>
@@ -9711,7 +9711,11 @@
           <a:p>
             <a:r>
               <a:rPr lang="en-US" altLang="ko-KR" dirty="0"/>
-              <a:t>Backward Propagation</a:t>
+              <a:t>Backward </a:t>
+            </a:r>
+            <a:r>
+              <a:rPr lang="en-US" altLang="ko-KR" dirty="0" smtClean="0"/>
+              <a:t>Propagation 1</a:t>
             </a:r>
             <a:endParaRPr lang="ko-KR" altLang="en-US" dirty="0"/>
           </a:p>
@@ -12732,21 +12736,472 @@
           </p:cxnSp>
         </p:grpSp>
       </p:grpSp>
+      <p:sp>
+        <p:nvSpPr>
+          <p:cNvPr id="167" name="TextBox 166"/>
+          <p:cNvSpPr txBox="1"/>
+          <p:nvPr/>
+        </p:nvSpPr>
+        <p:spPr>
+          <a:xfrm>
+            <a:off x="1586948" y="2597573"/>
+            <a:ext cx="221536" cy="461665"/>
+          </a:xfrm>
+          <a:prstGeom prst="rect">
+            <a:avLst/>
+          </a:prstGeom>
+          <a:noFill/>
+        </p:spPr>
+        <p:txBody>
+          <a:bodyPr wrap="none" rtlCol="0">
+            <a:spAutoFit/>
+          </a:bodyPr>
+          <a:lstStyle/>
+          <a:p>
+            <a:r>
+              <a:rPr lang="en-US" altLang="ko-KR" sz="900" b="1" dirty="0"/>
+              <a:t>∙</a:t>
+            </a:r>
+          </a:p>
+          <a:p>
+            <a:r>
+              <a:rPr lang="en-US" altLang="ko-KR" sz="900" b="1" dirty="0"/>
+              <a:t>∙</a:t>
+            </a:r>
+          </a:p>
+          <a:p>
+            <a:endParaRPr lang="ko-KR" altLang="en-US" sz="900" b="1" baseline="-25000" dirty="0"/>
+          </a:p>
+        </p:txBody>
+      </p:sp>
+      <p:sp>
+        <p:nvSpPr>
+          <p:cNvPr id="168" name="TextBox 167"/>
+          <p:cNvSpPr txBox="1"/>
+          <p:nvPr/>
+        </p:nvSpPr>
+        <p:spPr>
+          <a:xfrm>
+            <a:off x="2190224" y="2602649"/>
+            <a:ext cx="221536" cy="461665"/>
+          </a:xfrm>
+          <a:prstGeom prst="rect">
+            <a:avLst/>
+          </a:prstGeom>
+          <a:noFill/>
+        </p:spPr>
+        <p:txBody>
+          <a:bodyPr wrap="none" rtlCol="0">
+            <a:spAutoFit/>
+          </a:bodyPr>
+          <a:lstStyle/>
+          <a:p>
+            <a:r>
+              <a:rPr lang="en-US" altLang="ko-KR" sz="900" b="1" dirty="0"/>
+              <a:t>∙</a:t>
+            </a:r>
+          </a:p>
+          <a:p>
+            <a:r>
+              <a:rPr lang="en-US" altLang="ko-KR" sz="900" b="1" dirty="0"/>
+              <a:t>∙</a:t>
+            </a:r>
+          </a:p>
+          <a:p>
+            <a:endParaRPr lang="ko-KR" altLang="en-US" sz="900" b="1" baseline="-25000" dirty="0"/>
+          </a:p>
+        </p:txBody>
+      </p:sp>
+      <p:sp>
+        <p:nvSpPr>
+          <p:cNvPr id="169" name="TextBox 168"/>
+          <p:cNvSpPr txBox="1"/>
+          <p:nvPr/>
+        </p:nvSpPr>
+        <p:spPr>
+          <a:xfrm>
+            <a:off x="3117529" y="2532876"/>
+            <a:ext cx="221536" cy="369332"/>
+          </a:xfrm>
+          <a:prstGeom prst="rect">
+            <a:avLst/>
+          </a:prstGeom>
+          <a:noFill/>
+        </p:spPr>
+        <p:txBody>
+          <a:bodyPr wrap="none" rtlCol="0">
+            <a:spAutoFit/>
+          </a:bodyPr>
+          <a:lstStyle/>
+          <a:p>
+            <a:r>
+              <a:rPr lang="en-US" altLang="ko-KR" sz="900" b="1" dirty="0"/>
+              <a:t>∙</a:t>
+            </a:r>
+          </a:p>
+          <a:p>
+            <a:r>
+              <a:rPr lang="en-US" altLang="ko-KR" sz="900" b="1" dirty="0"/>
+              <a:t>∙</a:t>
+            </a:r>
+          </a:p>
+        </p:txBody>
+      </p:sp>
+      <p:sp>
+        <p:nvSpPr>
+          <p:cNvPr id="170" name="TextBox 169"/>
+          <p:cNvSpPr txBox="1"/>
+          <p:nvPr/>
+        </p:nvSpPr>
+        <p:spPr>
+          <a:xfrm>
+            <a:off x="3812799" y="2505700"/>
+            <a:ext cx="221536" cy="461665"/>
+          </a:xfrm>
+          <a:prstGeom prst="rect">
+            <a:avLst/>
+          </a:prstGeom>
+          <a:noFill/>
+        </p:spPr>
+        <p:txBody>
+          <a:bodyPr wrap="none" rtlCol="0">
+            <a:spAutoFit/>
+          </a:bodyPr>
+          <a:lstStyle/>
+          <a:p>
+            <a:r>
+              <a:rPr lang="en-US" altLang="ko-KR" sz="900" b="1" dirty="0"/>
+              <a:t>∙</a:t>
+            </a:r>
+          </a:p>
+          <a:p>
+            <a:r>
+              <a:rPr lang="en-US" altLang="ko-KR" sz="900" b="1" dirty="0"/>
+              <a:t>∙</a:t>
+            </a:r>
+          </a:p>
+          <a:p>
+            <a:endParaRPr lang="ko-KR" altLang="en-US" sz="900" b="1" baseline="-25000" dirty="0"/>
+          </a:p>
+        </p:txBody>
+      </p:sp>
+      <p:sp>
+        <p:nvSpPr>
+          <p:cNvPr id="203" name="TextBox 202"/>
+          <p:cNvSpPr txBox="1"/>
+          <p:nvPr/>
+        </p:nvSpPr>
+        <p:spPr>
+          <a:xfrm>
+            <a:off x="5028391" y="2607295"/>
+            <a:ext cx="221536" cy="461665"/>
+          </a:xfrm>
+          <a:prstGeom prst="rect">
+            <a:avLst/>
+          </a:prstGeom>
+          <a:noFill/>
+        </p:spPr>
+        <p:txBody>
+          <a:bodyPr wrap="none" rtlCol="0">
+            <a:spAutoFit/>
+          </a:bodyPr>
+          <a:lstStyle/>
+          <a:p>
+            <a:r>
+              <a:rPr lang="en-US" altLang="ko-KR" sz="900" b="1" dirty="0"/>
+              <a:t>∙</a:t>
+            </a:r>
+          </a:p>
+          <a:p>
+            <a:r>
+              <a:rPr lang="en-US" altLang="ko-KR" sz="900" b="1" dirty="0"/>
+              <a:t>∙</a:t>
+            </a:r>
+          </a:p>
+          <a:p>
+            <a:endParaRPr lang="ko-KR" altLang="en-US" sz="900" b="1" baseline="-25000" dirty="0"/>
+          </a:p>
+        </p:txBody>
+      </p:sp>
+      <p:sp>
+        <p:nvSpPr>
+          <p:cNvPr id="204" name="TextBox 203"/>
+          <p:cNvSpPr txBox="1"/>
+          <p:nvPr/>
+        </p:nvSpPr>
+        <p:spPr>
+          <a:xfrm>
+            <a:off x="6071319" y="2562732"/>
+            <a:ext cx="221536" cy="369332"/>
+          </a:xfrm>
+          <a:prstGeom prst="rect">
+            <a:avLst/>
+          </a:prstGeom>
+          <a:noFill/>
+        </p:spPr>
+        <p:txBody>
+          <a:bodyPr wrap="none" rtlCol="0">
+            <a:spAutoFit/>
+          </a:bodyPr>
+          <a:lstStyle/>
+          <a:p>
+            <a:r>
+              <a:rPr lang="en-US" altLang="ko-KR" sz="900" b="1" dirty="0"/>
+              <a:t>∙</a:t>
+            </a:r>
+          </a:p>
+          <a:p>
+            <a:r>
+              <a:rPr lang="en-US" altLang="ko-KR" sz="900" b="1" dirty="0"/>
+              <a:t>∙</a:t>
+            </a:r>
+          </a:p>
+        </p:txBody>
+      </p:sp>
+      <p:sp>
+        <p:nvSpPr>
+          <p:cNvPr id="210" name="TextBox 209"/>
+          <p:cNvSpPr txBox="1"/>
+          <p:nvPr/>
+        </p:nvSpPr>
+        <p:spPr>
+          <a:xfrm>
+            <a:off x="6791399" y="2555561"/>
+            <a:ext cx="221536" cy="369332"/>
+          </a:xfrm>
+          <a:prstGeom prst="rect">
+            <a:avLst/>
+          </a:prstGeom>
+          <a:noFill/>
+        </p:spPr>
+        <p:txBody>
+          <a:bodyPr wrap="none" rtlCol="0">
+            <a:spAutoFit/>
+          </a:bodyPr>
+          <a:lstStyle/>
+          <a:p>
+            <a:r>
+              <a:rPr lang="en-US" altLang="ko-KR" sz="900" b="1" dirty="0"/>
+              <a:t>∙</a:t>
+            </a:r>
+          </a:p>
+          <a:p>
+            <a:r>
+              <a:rPr lang="en-US" altLang="ko-KR" sz="900" b="1" dirty="0"/>
+              <a:t>∙</a:t>
+            </a:r>
+          </a:p>
+        </p:txBody>
+      </p:sp>
+      <p:sp>
+        <p:nvSpPr>
+          <p:cNvPr id="221" name="TextBox 220"/>
+          <p:cNvSpPr txBox="1"/>
+          <p:nvPr/>
+        </p:nvSpPr>
+        <p:spPr>
+          <a:xfrm>
+            <a:off x="7583487" y="2566385"/>
+            <a:ext cx="221536" cy="369332"/>
+          </a:xfrm>
+          <a:prstGeom prst="rect">
+            <a:avLst/>
+          </a:prstGeom>
+          <a:noFill/>
+        </p:spPr>
+        <p:txBody>
+          <a:bodyPr wrap="none" rtlCol="0">
+            <a:spAutoFit/>
+          </a:bodyPr>
+          <a:lstStyle/>
+          <a:p>
+            <a:r>
+              <a:rPr lang="en-US" altLang="ko-KR" sz="900" b="1" dirty="0"/>
+              <a:t>∙</a:t>
+            </a:r>
+          </a:p>
+          <a:p>
+            <a:r>
+              <a:rPr lang="en-US" altLang="ko-KR" sz="900" b="1" dirty="0"/>
+              <a:t>∙</a:t>
+            </a:r>
+          </a:p>
+        </p:txBody>
+      </p:sp>
+      <p:sp>
+        <p:nvSpPr>
+          <p:cNvPr id="2" name="타원 1"/>
+          <p:cNvSpPr/>
+          <p:nvPr/>
+        </p:nvSpPr>
+        <p:spPr>
+          <a:xfrm>
+            <a:off x="7600335" y="5019167"/>
+            <a:ext cx="45719" cy="45719"/>
+          </a:xfrm>
+          <a:prstGeom prst="ellipse">
+            <a:avLst/>
+          </a:prstGeom>
+          <a:solidFill>
+            <a:schemeClr val="accent2"/>
+          </a:solidFill>
+          <a:ln>
+            <a:solidFill>
+              <a:srgbClr val="FF0000"/>
+            </a:solidFill>
+          </a:ln>
+        </p:spPr>
+        <p:style>
+          <a:lnRef idx="2">
+            <a:schemeClr val="accent1">
+              <a:shade val="50000"/>
+            </a:schemeClr>
+          </a:lnRef>
+          <a:fillRef idx="1">
+            <a:schemeClr val="accent1"/>
+          </a:fillRef>
+          <a:effectRef idx="0">
+            <a:schemeClr val="accent1"/>
+          </a:effectRef>
+          <a:fontRef idx="minor">
+            <a:schemeClr val="lt1"/>
+          </a:fontRef>
+        </p:style>
+        <p:txBody>
+          <a:bodyPr rtlCol="0" anchor="ctr"/>
+          <a:lstStyle/>
+          <a:p>
+            <a:pPr algn="ctr"/>
+            <a:endParaRPr lang="ko-KR" altLang="en-US">
+              <a:solidFill>
+                <a:schemeClr val="tx1"/>
+              </a:solidFill>
+            </a:endParaRPr>
+          </a:p>
+        </p:txBody>
+      </p:sp>
+      <p:sp>
+        <p:nvSpPr>
+          <p:cNvPr id="222" name="타원 221"/>
+          <p:cNvSpPr/>
+          <p:nvPr/>
+        </p:nvSpPr>
+        <p:spPr>
+          <a:xfrm>
+            <a:off x="7119692" y="5019167"/>
+            <a:ext cx="45719" cy="45719"/>
+          </a:xfrm>
+          <a:prstGeom prst="ellipse">
+            <a:avLst/>
+          </a:prstGeom>
+          <a:solidFill>
+            <a:schemeClr val="accent2"/>
+          </a:solidFill>
+          <a:ln>
+            <a:solidFill>
+              <a:srgbClr val="FF0000"/>
+            </a:solidFill>
+          </a:ln>
+        </p:spPr>
+        <p:style>
+          <a:lnRef idx="2">
+            <a:schemeClr val="accent1">
+              <a:shade val="50000"/>
+            </a:schemeClr>
+          </a:lnRef>
+          <a:fillRef idx="1">
+            <a:schemeClr val="accent1"/>
+          </a:fillRef>
+          <a:effectRef idx="0">
+            <a:schemeClr val="accent1"/>
+          </a:effectRef>
+          <a:fontRef idx="minor">
+            <a:schemeClr val="lt1"/>
+          </a:fontRef>
+        </p:style>
+        <p:txBody>
+          <a:bodyPr rtlCol="0" anchor="ctr"/>
+          <a:lstStyle/>
+          <a:p>
+            <a:pPr algn="ctr"/>
+            <a:endParaRPr lang="ko-KR" altLang="en-US">
+              <a:solidFill>
+                <a:schemeClr val="tx1"/>
+              </a:solidFill>
+            </a:endParaRPr>
+          </a:p>
+        </p:txBody>
+      </p:sp>
+      <p:sp>
+        <p:nvSpPr>
+          <p:cNvPr id="225" name="타원 224"/>
+          <p:cNvSpPr/>
+          <p:nvPr/>
+        </p:nvSpPr>
+        <p:spPr>
+          <a:xfrm>
+            <a:off x="6613842" y="5029898"/>
+            <a:ext cx="45719" cy="45719"/>
+          </a:xfrm>
+          <a:prstGeom prst="ellipse">
+            <a:avLst/>
+          </a:prstGeom>
+          <a:solidFill>
+            <a:schemeClr val="accent2"/>
+          </a:solidFill>
+          <a:ln>
+            <a:solidFill>
+              <a:srgbClr val="FF0000"/>
+            </a:solidFill>
+          </a:ln>
+        </p:spPr>
+        <p:style>
+          <a:lnRef idx="2">
+            <a:schemeClr val="accent1">
+              <a:shade val="50000"/>
+            </a:schemeClr>
+          </a:lnRef>
+          <a:fillRef idx="1">
+            <a:schemeClr val="accent1"/>
+          </a:fillRef>
+          <a:effectRef idx="0">
+            <a:schemeClr val="accent1"/>
+          </a:effectRef>
+          <a:fontRef idx="minor">
+            <a:schemeClr val="lt1"/>
+          </a:fontRef>
+        </p:style>
+        <p:txBody>
+          <a:bodyPr rtlCol="0" anchor="ctr"/>
+          <a:lstStyle/>
+          <a:p>
+            <a:pPr algn="ctr"/>
+            <a:endParaRPr lang="ko-KR" altLang="en-US">
+              <a:solidFill>
+                <a:schemeClr val="tx1"/>
+              </a:solidFill>
+            </a:endParaRPr>
+          </a:p>
+        </p:txBody>
+      </p:sp>
       <p:cxnSp>
         <p:nvCxnSpPr>
-          <p:cNvPr id="274" name="직선 화살표 연결선 273"/>
+          <p:cNvPr id="5" name="꺾인 연결선 4"/>
           <p:cNvCxnSpPr>
-            <a:stCxn id="257" idx="2"/>
+            <a:stCxn id="258" idx="2"/>
+            <a:endCxn id="2" idx="0"/>
           </p:cNvCxnSpPr>
           <p:nvPr/>
         </p:nvCxnSpPr>
         <p:spPr>
-          <a:xfrm flipH="1">
-            <a:off x="6613842" y="4577475"/>
-            <a:ext cx="390518" cy="437440"/>
-          </a:xfrm>
-          <a:prstGeom prst="straightConnector1">
-            <a:avLst/>
+          <a:xfrm rot="16200000" flipH="1">
+            <a:off x="4664759" y="2060731"/>
+            <a:ext cx="3137116" cy="2779755"/>
+          </a:xfrm>
+          <a:prstGeom prst="bentConnector3">
+            <a:avLst>
+              <a:gd name="adj1" fmla="val 89188"/>
+            </a:avLst>
           </a:prstGeom>
           <a:ln>
             <a:solidFill>
@@ -12772,17 +13227,21 @@
       </p:cxnSp>
       <p:cxnSp>
         <p:nvCxnSpPr>
-          <p:cNvPr id="275" name="직선 화살표 연결선 274"/>
-          <p:cNvCxnSpPr/>
+          <p:cNvPr id="228" name="꺾인 연결선 227"/>
+          <p:cNvCxnSpPr>
+            <a:endCxn id="222" idx="0"/>
+          </p:cNvCxnSpPr>
           <p:nvPr/>
         </p:nvCxnSpPr>
         <p:spPr>
-          <a:xfrm>
-            <a:off x="6123720" y="4499828"/>
-            <a:ext cx="1041691" cy="504056"/>
-          </a:xfrm>
-          <a:prstGeom prst="straightConnector1">
-            <a:avLst/>
+          <a:xfrm rot="16200000" flipH="1">
+            <a:off x="4759713" y="2636327"/>
+            <a:ext cx="2987217" cy="1778462"/>
+          </a:xfrm>
+          <a:prstGeom prst="bentConnector3">
+            <a:avLst>
+              <a:gd name="adj1" fmla="val 91834"/>
+            </a:avLst>
           </a:prstGeom>
           <a:ln>
             <a:solidFill>
@@ -12808,19 +13267,22 @@
       </p:cxnSp>
       <p:cxnSp>
         <p:nvCxnSpPr>
-          <p:cNvPr id="276" name="직선 화살표 연결선 275"/>
+          <p:cNvPr id="229" name="꺾인 연결선 228"/>
           <p:cNvCxnSpPr>
-            <a:stCxn id="258" idx="2"/>
+            <a:stCxn id="257" idx="2"/>
+            <a:endCxn id="225" idx="0"/>
           </p:cNvCxnSpPr>
           <p:nvPr/>
         </p:nvCxnSpPr>
         <p:spPr>
-          <a:xfrm>
-            <a:off x="4843440" y="1882051"/>
-            <a:ext cx="2762688" cy="3121833"/>
-          </a:xfrm>
-          <a:prstGeom prst="straightConnector1">
-            <a:avLst/>
+          <a:xfrm rot="5400000">
+            <a:off x="6594320" y="4619857"/>
+            <a:ext cx="452423" cy="367658"/>
+          </a:xfrm>
+          <a:prstGeom prst="bentConnector3">
+            <a:avLst>
+              <a:gd name="adj1" fmla="val 63474"/>
+            </a:avLst>
           </a:prstGeom>
           <a:ln>
             <a:solidFill>
@@ -12846,7 +13308,7 @@
       </p:cxnSp>
       <p:pic>
         <p:nvPicPr>
-          <p:cNvPr id="1028" name="Picture 4"/>
+          <p:cNvPr id="1026" name="Picture 2"/>
           <p:cNvPicPr>
             <a:picLocks noChangeAspect="1" noChangeArrowheads="1"/>
           </p:cNvPicPr>
@@ -12867,8 +13329,8 @@
         </p:blipFill>
         <p:spPr bwMode="auto">
           <a:xfrm>
-            <a:off x="5176989" y="5134745"/>
-            <a:ext cx="2724669" cy="495965"/>
+            <a:off x="5013436" y="5141544"/>
+            <a:ext cx="2942940" cy="524910"/>
           </a:xfrm>
           <a:prstGeom prst="rect">
             <a:avLst/>
@@ -12877,6 +13339,7 @@
           <a:ln>
             <a:noFill/>
           </a:ln>
+          <a:effectLst/>
           <a:extLst>
             <a:ext uri="{909E8E84-426E-40DD-AFC4-6F175D3DCCD1}">
               <a14:hiddenFill xmlns:a14="http://schemas.microsoft.com/office/drawing/2010/main">
@@ -12895,301 +13358,18 @@
                 <a:tailEnd/>
               </a14:hiddenLine>
             </a:ext>
+            <a:ext uri="{AF507438-7753-43E0-B8FC-AC1667EBCBE1}">
+              <a14:hiddenEffects xmlns:a14="http://schemas.microsoft.com/office/drawing/2010/main">
+                <a:effectLst>
+                  <a:outerShdw dist="35921" dir="2700000" algn="ctr" rotWithShape="0">
+                    <a:schemeClr val="bg2"/>
+                  </a:outerShdw>
+                </a:effectLst>
+              </a14:hiddenEffects>
+            </a:ext>
           </a:extLst>
         </p:spPr>
       </p:pic>
-      <p:sp>
-        <p:nvSpPr>
-          <p:cNvPr id="167" name="TextBox 166"/>
-          <p:cNvSpPr txBox="1"/>
-          <p:nvPr/>
-        </p:nvSpPr>
-        <p:spPr>
-          <a:xfrm>
-            <a:off x="1586948" y="2597573"/>
-            <a:ext cx="221536" cy="461665"/>
-          </a:xfrm>
-          <a:prstGeom prst="rect">
-            <a:avLst/>
-          </a:prstGeom>
-          <a:noFill/>
-        </p:spPr>
-        <p:txBody>
-          <a:bodyPr wrap="none" rtlCol="0">
-            <a:spAutoFit/>
-          </a:bodyPr>
-          <a:lstStyle/>
-          <a:p>
-            <a:r>
-              <a:rPr lang="en-US" altLang="ko-KR" sz="900" b="1" dirty="0"/>
-              <a:t>∙</a:t>
-            </a:r>
-          </a:p>
-          <a:p>
-            <a:r>
-              <a:rPr lang="en-US" altLang="ko-KR" sz="900" b="1" dirty="0"/>
-              <a:t>∙</a:t>
-            </a:r>
-          </a:p>
-          <a:p>
-            <a:endParaRPr lang="ko-KR" altLang="en-US" sz="900" b="1" baseline="-25000" dirty="0"/>
-          </a:p>
-        </p:txBody>
-      </p:sp>
-      <p:sp>
-        <p:nvSpPr>
-          <p:cNvPr id="168" name="TextBox 167"/>
-          <p:cNvSpPr txBox="1"/>
-          <p:nvPr/>
-        </p:nvSpPr>
-        <p:spPr>
-          <a:xfrm>
-            <a:off x="2190224" y="2602649"/>
-            <a:ext cx="221536" cy="461665"/>
-          </a:xfrm>
-          <a:prstGeom prst="rect">
-            <a:avLst/>
-          </a:prstGeom>
-          <a:noFill/>
-        </p:spPr>
-        <p:txBody>
-          <a:bodyPr wrap="none" rtlCol="0">
-            <a:spAutoFit/>
-          </a:bodyPr>
-          <a:lstStyle/>
-          <a:p>
-            <a:r>
-              <a:rPr lang="en-US" altLang="ko-KR" sz="900" b="1" dirty="0"/>
-              <a:t>∙</a:t>
-            </a:r>
-          </a:p>
-          <a:p>
-            <a:r>
-              <a:rPr lang="en-US" altLang="ko-KR" sz="900" b="1" dirty="0"/>
-              <a:t>∙</a:t>
-            </a:r>
-          </a:p>
-          <a:p>
-            <a:endParaRPr lang="ko-KR" altLang="en-US" sz="900" b="1" baseline="-25000" dirty="0"/>
-          </a:p>
-        </p:txBody>
-      </p:sp>
-      <p:sp>
-        <p:nvSpPr>
-          <p:cNvPr id="169" name="TextBox 168"/>
-          <p:cNvSpPr txBox="1"/>
-          <p:nvPr/>
-        </p:nvSpPr>
-        <p:spPr>
-          <a:xfrm>
-            <a:off x="3117529" y="2532876"/>
-            <a:ext cx="221536" cy="369332"/>
-          </a:xfrm>
-          <a:prstGeom prst="rect">
-            <a:avLst/>
-          </a:prstGeom>
-          <a:noFill/>
-        </p:spPr>
-        <p:txBody>
-          <a:bodyPr wrap="none" rtlCol="0">
-            <a:spAutoFit/>
-          </a:bodyPr>
-          <a:lstStyle/>
-          <a:p>
-            <a:r>
-              <a:rPr lang="en-US" altLang="ko-KR" sz="900" b="1" dirty="0"/>
-              <a:t>∙</a:t>
-            </a:r>
-          </a:p>
-          <a:p>
-            <a:r>
-              <a:rPr lang="en-US" altLang="ko-KR" sz="900" b="1" dirty="0"/>
-              <a:t>∙</a:t>
-            </a:r>
-          </a:p>
-        </p:txBody>
-      </p:sp>
-      <p:sp>
-        <p:nvSpPr>
-          <p:cNvPr id="170" name="TextBox 169"/>
-          <p:cNvSpPr txBox="1"/>
-          <p:nvPr/>
-        </p:nvSpPr>
-        <p:spPr>
-          <a:xfrm>
-            <a:off x="3812799" y="2505700"/>
-            <a:ext cx="221536" cy="461665"/>
-          </a:xfrm>
-          <a:prstGeom prst="rect">
-            <a:avLst/>
-          </a:prstGeom>
-          <a:noFill/>
-        </p:spPr>
-        <p:txBody>
-          <a:bodyPr wrap="none" rtlCol="0">
-            <a:spAutoFit/>
-          </a:bodyPr>
-          <a:lstStyle/>
-          <a:p>
-            <a:r>
-              <a:rPr lang="en-US" altLang="ko-KR" sz="900" b="1" dirty="0"/>
-              <a:t>∙</a:t>
-            </a:r>
-          </a:p>
-          <a:p>
-            <a:r>
-              <a:rPr lang="en-US" altLang="ko-KR" sz="900" b="1" dirty="0"/>
-              <a:t>∙</a:t>
-            </a:r>
-          </a:p>
-          <a:p>
-            <a:endParaRPr lang="ko-KR" altLang="en-US" sz="900" b="1" baseline="-25000" dirty="0"/>
-          </a:p>
-        </p:txBody>
-      </p:sp>
-      <p:sp>
-        <p:nvSpPr>
-          <p:cNvPr id="203" name="TextBox 202"/>
-          <p:cNvSpPr txBox="1"/>
-          <p:nvPr/>
-        </p:nvSpPr>
-        <p:spPr>
-          <a:xfrm>
-            <a:off x="5028391" y="2607295"/>
-            <a:ext cx="221536" cy="461665"/>
-          </a:xfrm>
-          <a:prstGeom prst="rect">
-            <a:avLst/>
-          </a:prstGeom>
-          <a:noFill/>
-        </p:spPr>
-        <p:txBody>
-          <a:bodyPr wrap="none" rtlCol="0">
-            <a:spAutoFit/>
-          </a:bodyPr>
-          <a:lstStyle/>
-          <a:p>
-            <a:r>
-              <a:rPr lang="en-US" altLang="ko-KR" sz="900" b="1" dirty="0"/>
-              <a:t>∙</a:t>
-            </a:r>
-          </a:p>
-          <a:p>
-            <a:r>
-              <a:rPr lang="en-US" altLang="ko-KR" sz="900" b="1" dirty="0"/>
-              <a:t>∙</a:t>
-            </a:r>
-          </a:p>
-          <a:p>
-            <a:endParaRPr lang="ko-KR" altLang="en-US" sz="900" b="1" baseline="-25000" dirty="0"/>
-          </a:p>
-        </p:txBody>
-      </p:sp>
-      <p:sp>
-        <p:nvSpPr>
-          <p:cNvPr id="204" name="TextBox 203"/>
-          <p:cNvSpPr txBox="1"/>
-          <p:nvPr/>
-        </p:nvSpPr>
-        <p:spPr>
-          <a:xfrm>
-            <a:off x="6071319" y="2562732"/>
-            <a:ext cx="221536" cy="369332"/>
-          </a:xfrm>
-          <a:prstGeom prst="rect">
-            <a:avLst/>
-          </a:prstGeom>
-          <a:noFill/>
-        </p:spPr>
-        <p:txBody>
-          <a:bodyPr wrap="none" rtlCol="0">
-            <a:spAutoFit/>
-          </a:bodyPr>
-          <a:lstStyle/>
-          <a:p>
-            <a:r>
-              <a:rPr lang="en-US" altLang="ko-KR" sz="900" b="1" dirty="0"/>
-              <a:t>∙</a:t>
-            </a:r>
-          </a:p>
-          <a:p>
-            <a:r>
-              <a:rPr lang="en-US" altLang="ko-KR" sz="900" b="1" dirty="0"/>
-              <a:t>∙</a:t>
-            </a:r>
-          </a:p>
-        </p:txBody>
-      </p:sp>
-      <p:sp>
-        <p:nvSpPr>
-          <p:cNvPr id="210" name="TextBox 209"/>
-          <p:cNvSpPr txBox="1"/>
-          <p:nvPr/>
-        </p:nvSpPr>
-        <p:spPr>
-          <a:xfrm>
-            <a:off x="6791399" y="2555561"/>
-            <a:ext cx="221536" cy="369332"/>
-          </a:xfrm>
-          <a:prstGeom prst="rect">
-            <a:avLst/>
-          </a:prstGeom>
-          <a:noFill/>
-        </p:spPr>
-        <p:txBody>
-          <a:bodyPr wrap="none" rtlCol="0">
-            <a:spAutoFit/>
-          </a:bodyPr>
-          <a:lstStyle/>
-          <a:p>
-            <a:r>
-              <a:rPr lang="en-US" altLang="ko-KR" sz="900" b="1" dirty="0"/>
-              <a:t>∙</a:t>
-            </a:r>
-          </a:p>
-          <a:p>
-            <a:r>
-              <a:rPr lang="en-US" altLang="ko-KR" sz="900" b="1" dirty="0"/>
-              <a:t>∙</a:t>
-            </a:r>
-          </a:p>
-        </p:txBody>
-      </p:sp>
-      <p:sp>
-        <p:nvSpPr>
-          <p:cNvPr id="221" name="TextBox 220"/>
-          <p:cNvSpPr txBox="1"/>
-          <p:nvPr/>
-        </p:nvSpPr>
-        <p:spPr>
-          <a:xfrm>
-            <a:off x="7583487" y="2566385"/>
-            <a:ext cx="221536" cy="369332"/>
-          </a:xfrm>
-          <a:prstGeom prst="rect">
-            <a:avLst/>
-          </a:prstGeom>
-          <a:noFill/>
-        </p:spPr>
-        <p:txBody>
-          <a:bodyPr wrap="none" rtlCol="0">
-            <a:spAutoFit/>
-          </a:bodyPr>
-          <a:lstStyle/>
-          <a:p>
-            <a:r>
-              <a:rPr lang="en-US" altLang="ko-KR" sz="900" b="1" dirty="0"/>
-              <a:t>∙</a:t>
-            </a:r>
-          </a:p>
-          <a:p>
-            <a:r>
-              <a:rPr lang="en-US" altLang="ko-KR" sz="900" b="1" dirty="0"/>
-              <a:t>∙</a:t>
-            </a:r>
-          </a:p>
-        </p:txBody>
-      </p:sp>
     </p:spTree>
     <p:extLst>
       <p:ext uri="{BB962C8B-B14F-4D97-AF65-F5344CB8AC3E}">
